--- a/doc/internal_meeting_materials/meeting_materials_qdrone_internal_20191008_updated.pptx
+++ b/doc/internal_meeting_materials/meeting_materials_qdrone_internal_20191008_updated.pptx
@@ -34820,7 +34820,7 @@
             <a:pPr lvl="1"/>
             <a:r>
               <a:rPr lang="en-CA" dirty="0"/>
-              <a:t>Pose graph for Q-Drone positioning</a:t>
+              <a:t>Pose graph for Q-Drone positioning (led by Jungwon)</a:t>
             </a:r>
           </a:p>
           <a:p>
